--- a/04_presentaciones/Cover CD.pptx
+++ b/04_presentaciones/Cover CD.pptx
@@ -289,6 +289,7 @@
           <a:p>
             <a:fld id="{D234E823-3B90-4CAB-909B-646B45042E2D}" type="datetimeFigureOut">
               <a:rPr lang="es-AR" smtClean="0"/>
+              <a:pPr/>
               <a:t>21/11/2011</a:t>
             </a:fld>
             <a:endParaRPr lang="es-AR"/>
@@ -331,6 +332,7 @@
           <a:p>
             <a:fld id="{DDA452A7-ABD6-449F-B769-3038B7EDDB03}" type="slidenum">
               <a:rPr lang="es-AR" smtClean="0"/>
+              <a:pPr/>
               <a:t>‹Nº›</a:t>
             </a:fld>
             <a:endParaRPr lang="es-AR"/>
@@ -454,6 +456,7 @@
           <a:p>
             <a:fld id="{D234E823-3B90-4CAB-909B-646B45042E2D}" type="datetimeFigureOut">
               <a:rPr lang="es-AR" smtClean="0"/>
+              <a:pPr/>
               <a:t>21/11/2011</a:t>
             </a:fld>
             <a:endParaRPr lang="es-AR"/>
@@ -496,6 +499,7 @@
           <a:p>
             <a:fld id="{DDA452A7-ABD6-449F-B769-3038B7EDDB03}" type="slidenum">
               <a:rPr lang="es-AR" smtClean="0"/>
+              <a:pPr/>
               <a:t>‹Nº›</a:t>
             </a:fld>
             <a:endParaRPr lang="es-AR"/>
@@ -629,6 +633,7 @@
           <a:p>
             <a:fld id="{D234E823-3B90-4CAB-909B-646B45042E2D}" type="datetimeFigureOut">
               <a:rPr lang="es-AR" smtClean="0"/>
+              <a:pPr/>
               <a:t>21/11/2011</a:t>
             </a:fld>
             <a:endParaRPr lang="es-AR"/>
@@ -671,6 +676,7 @@
           <a:p>
             <a:fld id="{DDA452A7-ABD6-449F-B769-3038B7EDDB03}" type="slidenum">
               <a:rPr lang="es-AR" smtClean="0"/>
+              <a:pPr/>
               <a:t>‹Nº›</a:t>
             </a:fld>
             <a:endParaRPr lang="es-AR"/>
@@ -794,6 +800,7 @@
           <a:p>
             <a:fld id="{D234E823-3B90-4CAB-909B-646B45042E2D}" type="datetimeFigureOut">
               <a:rPr lang="es-AR" smtClean="0"/>
+              <a:pPr/>
               <a:t>21/11/2011</a:t>
             </a:fld>
             <a:endParaRPr lang="es-AR"/>
@@ -836,6 +843,7 @@
           <a:p>
             <a:fld id="{DDA452A7-ABD6-449F-B769-3038B7EDDB03}" type="slidenum">
               <a:rPr lang="es-AR" smtClean="0"/>
+              <a:pPr/>
               <a:t>‹Nº›</a:t>
             </a:fld>
             <a:endParaRPr lang="es-AR"/>
@@ -1035,6 +1043,7 @@
           <a:p>
             <a:fld id="{D234E823-3B90-4CAB-909B-646B45042E2D}" type="datetimeFigureOut">
               <a:rPr lang="es-AR" smtClean="0"/>
+              <a:pPr/>
               <a:t>21/11/2011</a:t>
             </a:fld>
             <a:endParaRPr lang="es-AR"/>
@@ -1077,6 +1086,7 @@
           <a:p>
             <a:fld id="{DDA452A7-ABD6-449F-B769-3038B7EDDB03}" type="slidenum">
               <a:rPr lang="es-AR" smtClean="0"/>
+              <a:pPr/>
               <a:t>‹Nº›</a:t>
             </a:fld>
             <a:endParaRPr lang="es-AR"/>
@@ -1318,6 +1328,7 @@
           <a:p>
             <a:fld id="{D234E823-3B90-4CAB-909B-646B45042E2D}" type="datetimeFigureOut">
               <a:rPr lang="es-AR" smtClean="0"/>
+              <a:pPr/>
               <a:t>21/11/2011</a:t>
             </a:fld>
             <a:endParaRPr lang="es-AR"/>
@@ -1360,6 +1371,7 @@
           <a:p>
             <a:fld id="{DDA452A7-ABD6-449F-B769-3038B7EDDB03}" type="slidenum">
               <a:rPr lang="es-AR" smtClean="0"/>
+              <a:pPr/>
               <a:t>‹Nº›</a:t>
             </a:fld>
             <a:endParaRPr lang="es-AR"/>
@@ -1735,6 +1747,7 @@
           <a:p>
             <a:fld id="{D234E823-3B90-4CAB-909B-646B45042E2D}" type="datetimeFigureOut">
               <a:rPr lang="es-AR" smtClean="0"/>
+              <a:pPr/>
               <a:t>21/11/2011</a:t>
             </a:fld>
             <a:endParaRPr lang="es-AR"/>
@@ -1777,6 +1790,7 @@
           <a:p>
             <a:fld id="{DDA452A7-ABD6-449F-B769-3038B7EDDB03}" type="slidenum">
               <a:rPr lang="es-AR" smtClean="0"/>
+              <a:pPr/>
               <a:t>‹Nº›</a:t>
             </a:fld>
             <a:endParaRPr lang="es-AR"/>
@@ -1848,6 +1862,7 @@
           <a:p>
             <a:fld id="{D234E823-3B90-4CAB-909B-646B45042E2D}" type="datetimeFigureOut">
               <a:rPr lang="es-AR" smtClean="0"/>
+              <a:pPr/>
               <a:t>21/11/2011</a:t>
             </a:fld>
             <a:endParaRPr lang="es-AR"/>
@@ -1890,6 +1905,7 @@
           <a:p>
             <a:fld id="{DDA452A7-ABD6-449F-B769-3038B7EDDB03}" type="slidenum">
               <a:rPr lang="es-AR" smtClean="0"/>
+              <a:pPr/>
               <a:t>‹Nº›</a:t>
             </a:fld>
             <a:endParaRPr lang="es-AR"/>
@@ -1938,6 +1954,7 @@
           <a:p>
             <a:fld id="{D234E823-3B90-4CAB-909B-646B45042E2D}" type="datetimeFigureOut">
               <a:rPr lang="es-AR" smtClean="0"/>
+              <a:pPr/>
               <a:t>21/11/2011</a:t>
             </a:fld>
             <a:endParaRPr lang="es-AR"/>
@@ -1980,6 +1997,7 @@
           <a:p>
             <a:fld id="{DDA452A7-ABD6-449F-B769-3038B7EDDB03}" type="slidenum">
               <a:rPr lang="es-AR" smtClean="0"/>
+              <a:pPr/>
               <a:t>‹Nº›</a:t>
             </a:fld>
             <a:endParaRPr lang="es-AR"/>
@@ -2210,6 +2228,7 @@
           <a:p>
             <a:fld id="{D234E823-3B90-4CAB-909B-646B45042E2D}" type="datetimeFigureOut">
               <a:rPr lang="es-AR" smtClean="0"/>
+              <a:pPr/>
               <a:t>21/11/2011</a:t>
             </a:fld>
             <a:endParaRPr lang="es-AR"/>
@@ -2252,6 +2271,7 @@
           <a:p>
             <a:fld id="{DDA452A7-ABD6-449F-B769-3038B7EDDB03}" type="slidenum">
               <a:rPr lang="es-AR" smtClean="0"/>
+              <a:pPr/>
               <a:t>‹Nº›</a:t>
             </a:fld>
             <a:endParaRPr lang="es-AR"/>
@@ -2458,6 +2478,7 @@
           <a:p>
             <a:fld id="{D234E823-3B90-4CAB-909B-646B45042E2D}" type="datetimeFigureOut">
               <a:rPr lang="es-AR" smtClean="0"/>
+              <a:pPr/>
               <a:t>21/11/2011</a:t>
             </a:fld>
             <a:endParaRPr lang="es-AR"/>
@@ -2500,6 +2521,7 @@
           <a:p>
             <a:fld id="{DDA452A7-ABD6-449F-B769-3038B7EDDB03}" type="slidenum">
               <a:rPr lang="es-AR" smtClean="0"/>
+              <a:pPr/>
               <a:t>‹Nº›</a:t>
             </a:fld>
             <a:endParaRPr lang="es-AR"/>
@@ -2666,6 +2688,7 @@
           <a:p>
             <a:fld id="{D234E823-3B90-4CAB-909B-646B45042E2D}" type="datetimeFigureOut">
               <a:rPr lang="es-AR" smtClean="0"/>
+              <a:pPr/>
               <a:t>21/11/2011</a:t>
             </a:fld>
             <a:endParaRPr lang="es-AR"/>
@@ -2744,6 +2767,7 @@
           <a:p>
             <a:fld id="{DDA452A7-ABD6-449F-B769-3038B7EDDB03}" type="slidenum">
               <a:rPr lang="es-AR" smtClean="0"/>
+              <a:pPr/>
               <a:t>‹Nº›</a:t>
             </a:fld>
             <a:endParaRPr lang="es-AR"/>
@@ -3828,6 +3852,529 @@
           </a:prstGeom>
         </p:spPr>
       </p:pic>
+      <p:sp>
+        <p:nvSpPr>
+          <p:cNvPr id="40" name="39 CuadroTexto"/>
+          <p:cNvSpPr txBox="1"/>
+          <p:nvPr/>
+        </p:nvSpPr>
+        <p:spPr>
+          <a:xfrm>
+            <a:off x="7236296" y="5733256"/>
+            <a:ext cx="1814215" cy="954107"/>
+          </a:xfrm>
+          <a:prstGeom prst="rect">
+            <a:avLst/>
+          </a:prstGeom>
+        </p:spPr>
+        <p:style>
+          <a:lnRef idx="0">
+            <a:schemeClr val="accent4"/>
+          </a:lnRef>
+          <a:fillRef idx="3">
+            <a:schemeClr val="accent4"/>
+          </a:fillRef>
+          <a:effectRef idx="3">
+            <a:schemeClr val="accent4"/>
+          </a:effectRef>
+          <a:fontRef idx="minor">
+            <a:schemeClr val="lt1"/>
+          </a:fontRef>
+        </p:style>
+        <p:txBody>
+          <a:bodyPr wrap="none" rtlCol="0">
+            <a:spAutoFit/>
+          </a:bodyPr>
+          <a:lstStyle/>
+          <a:p>
+            <a:pPr algn="ctr"/>
+            <a:r>
+              <a:rPr lang="es-AR" sz="1400" dirty="0" smtClean="0"/>
+              <a:t> </a:t>
+            </a:r>
+            <a:r>
+              <a:rPr lang="es-AR" sz="1400" b="1" spc="150" dirty="0" err="1" smtClean="0">
+                <a:ln w="11430"/>
+                <a:solidFill>
+                  <a:schemeClr val="accent1"/>
+                </a:solidFill>
+                <a:effectLst>
+                  <a:outerShdw blurRad="25400" algn="tl" rotWithShape="0">
+                    <a:srgbClr val="000000">
+                      <a:alpha val="43000"/>
+                    </a:srgbClr>
+                  </a:outerShdw>
+                </a:effectLst>
+              </a:rPr>
+              <a:t>Barale</a:t>
+            </a:r>
+            <a:r>
+              <a:rPr lang="es-AR" sz="1400" b="1" spc="150" dirty="0" smtClean="0">
+                <a:ln w="11430"/>
+                <a:solidFill>
+                  <a:schemeClr val="accent1"/>
+                </a:solidFill>
+                <a:effectLst>
+                  <a:outerShdw blurRad="25400" algn="tl" rotWithShape="0">
+                    <a:srgbClr val="000000">
+                      <a:alpha val="43000"/>
+                    </a:srgbClr>
+                  </a:outerShdw>
+                </a:effectLst>
+              </a:rPr>
+              <a:t>, Lorena</a:t>
+            </a:r>
+          </a:p>
+          <a:p>
+            <a:pPr algn="ctr"/>
+            <a:r>
+              <a:rPr lang="es-AR" sz="1400" b="1" spc="150" dirty="0" smtClean="0">
+                <a:ln w="11430"/>
+                <a:solidFill>
+                  <a:schemeClr val="accent1"/>
+                </a:solidFill>
+                <a:effectLst>
+                  <a:outerShdw blurRad="25400" algn="tl" rotWithShape="0">
+                    <a:srgbClr val="000000">
+                      <a:alpha val="43000"/>
+                    </a:srgbClr>
+                  </a:outerShdw>
+                </a:effectLst>
+              </a:rPr>
+              <a:t>Enrico, Mariana</a:t>
+            </a:r>
+          </a:p>
+          <a:p>
+            <a:pPr algn="ctr"/>
+            <a:r>
+              <a:rPr lang="es-AR" sz="1400" b="1" spc="150" dirty="0" err="1" smtClean="0">
+                <a:ln w="11430"/>
+                <a:solidFill>
+                  <a:schemeClr val="accent1"/>
+                </a:solidFill>
+                <a:effectLst>
+                  <a:outerShdw blurRad="25400" algn="tl" rotWithShape="0">
+                    <a:srgbClr val="000000">
+                      <a:alpha val="43000"/>
+                    </a:srgbClr>
+                  </a:outerShdw>
+                </a:effectLst>
+              </a:rPr>
+              <a:t>Merdine</a:t>
+            </a:r>
+            <a:r>
+              <a:rPr lang="es-AR" sz="1400" b="1" spc="150" dirty="0" smtClean="0">
+                <a:ln w="11430"/>
+                <a:solidFill>
+                  <a:schemeClr val="accent1"/>
+                </a:solidFill>
+                <a:effectLst>
+                  <a:outerShdw blurRad="25400" algn="tl" rotWithShape="0">
+                    <a:srgbClr val="000000">
+                      <a:alpha val="43000"/>
+                    </a:srgbClr>
+                  </a:outerShdw>
+                </a:effectLst>
+              </a:rPr>
+              <a:t>, Victoria</a:t>
+            </a:r>
+          </a:p>
+          <a:p>
+            <a:pPr algn="ctr"/>
+            <a:r>
+              <a:rPr lang="es-AR" sz="1400" b="1" spc="150" dirty="0" smtClean="0">
+                <a:ln w="11430"/>
+                <a:solidFill>
+                  <a:schemeClr val="accent1"/>
+                </a:solidFill>
+                <a:effectLst>
+                  <a:outerShdw blurRad="25400" algn="tl" rotWithShape="0">
+                    <a:srgbClr val="000000">
+                      <a:alpha val="43000"/>
+                    </a:srgbClr>
+                  </a:outerShdw>
+                </a:effectLst>
+              </a:rPr>
+              <a:t>Molina, </a:t>
+            </a:r>
+            <a:r>
+              <a:rPr lang="es-AR" sz="1400" b="1" spc="150" dirty="0" smtClean="0">
+                <a:ln w="11430"/>
+                <a:solidFill>
+                  <a:schemeClr val="accent1"/>
+                </a:solidFill>
+                <a:effectLst>
+                  <a:outerShdw blurRad="25400" algn="tl" rotWithShape="0">
+                    <a:srgbClr val="000000">
+                      <a:alpha val="43000"/>
+                    </a:srgbClr>
+                  </a:outerShdw>
+                </a:effectLst>
+              </a:rPr>
+              <a:t>Leandro</a:t>
+            </a:r>
+            <a:endParaRPr lang="es-AR" sz="1400" b="1" spc="150" dirty="0" smtClean="0">
+              <a:ln w="11430"/>
+              <a:solidFill>
+                <a:schemeClr val="accent1"/>
+              </a:solidFill>
+              <a:effectLst>
+                <a:outerShdw blurRad="25400" algn="tl" rotWithShape="0">
+                  <a:srgbClr val="000000">
+                    <a:alpha val="43000"/>
+                  </a:srgbClr>
+                </a:outerShdw>
+              </a:effectLst>
+            </a:endParaRPr>
+          </a:p>
+        </p:txBody>
+      </p:sp>
+      <p:sp>
+        <p:nvSpPr>
+          <p:cNvPr id="41" name="40 CuadroTexto"/>
+          <p:cNvSpPr txBox="1"/>
+          <p:nvPr/>
+        </p:nvSpPr>
+        <p:spPr>
+          <a:xfrm>
+            <a:off x="4932040" y="116632"/>
+            <a:ext cx="4067944" cy="1477328"/>
+          </a:xfrm>
+          <a:prstGeom prst="rect">
+            <a:avLst/>
+          </a:prstGeom>
+        </p:spPr>
+        <p:style>
+          <a:lnRef idx="0">
+            <a:scrgbClr r="0" g="0" b="0"/>
+          </a:lnRef>
+          <a:fillRef idx="1003">
+            <a:schemeClr val="lt2"/>
+          </a:fillRef>
+          <a:effectRef idx="0">
+            <a:scrgbClr r="0" g="0" b="0"/>
+          </a:effectRef>
+          <a:fontRef idx="major"/>
+        </p:style>
+        <p:txBody>
+          <a:bodyPr wrap="square" rtlCol="0">
+            <a:spAutoFit/>
+          </a:bodyPr>
+          <a:lstStyle/>
+          <a:p>
+            <a:pPr algn="ctr"/>
+            <a:r>
+              <a:rPr lang="es-AR" dirty="0" smtClean="0">
+                <a:solidFill>
+                  <a:schemeClr val="accent1"/>
+                </a:solidFill>
+              </a:rPr>
+              <a:t> </a:t>
+            </a:r>
+            <a:r>
+              <a:rPr lang="es-AR" b="1" spc="150" dirty="0" smtClean="0">
+                <a:ln w="11430"/>
+                <a:solidFill>
+                  <a:schemeClr val="accent1"/>
+                </a:solidFill>
+                <a:effectLst>
+                  <a:outerShdw blurRad="25400" algn="tl" rotWithShape="0">
+                    <a:srgbClr val="000000">
+                      <a:alpha val="43000"/>
+                    </a:srgbClr>
+                  </a:outerShdw>
+                </a:effectLst>
+              </a:rPr>
+              <a:t>Universidad Tecnológica Nacional</a:t>
+            </a:r>
+          </a:p>
+          <a:p>
+            <a:pPr algn="ctr"/>
+            <a:r>
+              <a:rPr lang="es-AR" b="1" spc="150" dirty="0" smtClean="0">
+                <a:ln w="11430"/>
+                <a:solidFill>
+                  <a:schemeClr val="accent1"/>
+                </a:solidFill>
+                <a:effectLst>
+                  <a:outerShdw blurRad="25400" algn="tl" rotWithShape="0">
+                    <a:srgbClr val="000000">
+                      <a:alpha val="43000"/>
+                    </a:srgbClr>
+                  </a:outerShdw>
+                </a:effectLst>
+              </a:rPr>
+              <a:t>Facultad Regional Córdoba</a:t>
+            </a:r>
+          </a:p>
+          <a:p>
+            <a:pPr algn="ctr"/>
+            <a:endParaRPr lang="es-AR" b="1" spc="150" dirty="0" smtClean="0">
+              <a:ln w="11430"/>
+              <a:solidFill>
+                <a:schemeClr val="accent1"/>
+              </a:solidFill>
+              <a:effectLst>
+                <a:outerShdw blurRad="25400" algn="tl" rotWithShape="0">
+                  <a:srgbClr val="000000">
+                    <a:alpha val="43000"/>
+                  </a:srgbClr>
+                </a:outerShdw>
+              </a:effectLst>
+            </a:endParaRPr>
+          </a:p>
+          <a:p>
+            <a:pPr algn="ctr"/>
+            <a:r>
+              <a:rPr lang="es-AR" b="1" spc="150" dirty="0" smtClean="0">
+                <a:ln w="11430"/>
+                <a:solidFill>
+                  <a:schemeClr val="accent1"/>
+                </a:solidFill>
+                <a:effectLst>
+                  <a:outerShdw blurRad="25400" algn="tl" rotWithShape="0">
+                    <a:srgbClr val="000000">
+                      <a:alpha val="43000"/>
+                    </a:srgbClr>
+                  </a:outerShdw>
+                </a:effectLst>
+              </a:rPr>
+              <a:t>Ingeniería en Sistemas de </a:t>
+            </a:r>
+            <a:r>
+              <a:rPr lang="es-AR" b="1" spc="150" dirty="0" smtClean="0">
+                <a:ln w="11430"/>
+                <a:solidFill>
+                  <a:schemeClr val="accent1"/>
+                </a:solidFill>
+                <a:effectLst>
+                  <a:outerShdw blurRad="25400" algn="tl" rotWithShape="0">
+                    <a:srgbClr val="000000">
+                      <a:alpha val="43000"/>
+                    </a:srgbClr>
+                  </a:outerShdw>
+                </a:effectLst>
+              </a:rPr>
+              <a:t>Información</a:t>
+            </a:r>
+            <a:endParaRPr lang="es-AR" b="1" spc="150" dirty="0" smtClean="0">
+              <a:ln w="11430"/>
+              <a:solidFill>
+                <a:schemeClr val="accent1"/>
+              </a:solidFill>
+              <a:effectLst>
+                <a:outerShdw blurRad="25400" algn="tl" rotWithShape="0">
+                  <a:srgbClr val="000000">
+                    <a:alpha val="43000"/>
+                  </a:srgbClr>
+                </a:outerShdw>
+              </a:effectLst>
+            </a:endParaRPr>
+          </a:p>
+        </p:txBody>
+      </p:sp>
+      <p:sp>
+        <p:nvSpPr>
+          <p:cNvPr id="42" name="41 CuadroTexto"/>
+          <p:cNvSpPr txBox="1"/>
+          <p:nvPr/>
+        </p:nvSpPr>
+        <p:spPr>
+          <a:xfrm>
+            <a:off x="5076056" y="1755393"/>
+            <a:ext cx="3846566" cy="1169551"/>
+          </a:xfrm>
+          <a:prstGeom prst="rect">
+            <a:avLst/>
+          </a:prstGeom>
+        </p:spPr>
+        <p:style>
+          <a:lnRef idx="0">
+            <a:scrgbClr r="0" g="0" b="0"/>
+          </a:lnRef>
+          <a:fillRef idx="1003">
+            <a:schemeClr val="lt2"/>
+          </a:fillRef>
+          <a:effectRef idx="0">
+            <a:scrgbClr r="0" g="0" b="0"/>
+          </a:effectRef>
+          <a:fontRef idx="major"/>
+        </p:style>
+        <p:txBody>
+          <a:bodyPr wrap="none" rtlCol="0">
+            <a:spAutoFit/>
+          </a:bodyPr>
+          <a:lstStyle/>
+          <a:p>
+            <a:pPr algn="ctr"/>
+            <a:r>
+              <a:rPr lang="es-AR" sz="2800" b="1" spc="150" dirty="0" smtClean="0">
+                <a:ln w="11430"/>
+                <a:solidFill>
+                  <a:schemeClr val="accent1"/>
+                </a:solidFill>
+                <a:effectLst>
+                  <a:outerShdw blurRad="25400" algn="tl" rotWithShape="0">
+                    <a:srgbClr val="000000">
+                      <a:alpha val="43000"/>
+                    </a:srgbClr>
+                  </a:outerShdw>
+                </a:effectLst>
+              </a:rPr>
+              <a:t>Proyecto: </a:t>
+            </a:r>
+            <a:r>
+              <a:rPr lang="es-AR" sz="2800" b="1" spc="150" dirty="0" err="1" smtClean="0">
+                <a:ln w="11430"/>
+                <a:solidFill>
+                  <a:schemeClr val="accent1"/>
+                </a:solidFill>
+                <a:effectLst>
+                  <a:outerShdw blurRad="25400" algn="tl" rotWithShape="0">
+                    <a:srgbClr val="000000">
+                      <a:alpha val="43000"/>
+                    </a:srgbClr>
+                  </a:outerShdw>
+                </a:effectLst>
+              </a:rPr>
+              <a:t>MetalSoft</a:t>
+            </a:r>
+            <a:endParaRPr lang="es-AR" sz="2800" b="1" spc="150" dirty="0" smtClean="0">
+              <a:ln w="11430"/>
+              <a:solidFill>
+                <a:schemeClr val="accent1"/>
+              </a:solidFill>
+              <a:effectLst>
+                <a:outerShdw blurRad="25400" algn="tl" rotWithShape="0">
+                  <a:srgbClr val="000000">
+                    <a:alpha val="43000"/>
+                  </a:srgbClr>
+                </a:outerShdw>
+              </a:effectLst>
+            </a:endParaRPr>
+          </a:p>
+          <a:p>
+            <a:pPr algn="ctr"/>
+            <a:endParaRPr lang="es-AR" sz="2400" b="1" spc="150" dirty="0" smtClean="0">
+              <a:ln w="11430"/>
+              <a:solidFill>
+                <a:schemeClr val="accent1"/>
+              </a:solidFill>
+              <a:effectLst>
+                <a:outerShdw blurRad="25400" algn="tl" rotWithShape="0">
+                  <a:srgbClr val="000000">
+                    <a:alpha val="43000"/>
+                  </a:srgbClr>
+                </a:outerShdw>
+              </a:effectLst>
+            </a:endParaRPr>
+          </a:p>
+          <a:p>
+            <a:pPr algn="ctr"/>
+            <a:r>
+              <a:rPr lang="es-AR" b="1" spc="150" dirty="0" smtClean="0">
+                <a:ln w="11430"/>
+                <a:solidFill>
+                  <a:schemeClr val="accent1"/>
+                </a:solidFill>
+                <a:effectLst>
+                  <a:outerShdw blurRad="25400" algn="tl" rotWithShape="0">
+                    <a:srgbClr val="000000">
+                      <a:alpha val="43000"/>
+                    </a:srgbClr>
+                  </a:outerShdw>
+                </a:effectLst>
+              </a:rPr>
+              <a:t>Empresa: Cánovas y </a:t>
+            </a:r>
+            <a:r>
+              <a:rPr lang="es-AR" b="1" spc="150" dirty="0" err="1" smtClean="0">
+                <a:ln w="11430"/>
+                <a:solidFill>
+                  <a:schemeClr val="accent1"/>
+                </a:solidFill>
+                <a:effectLst>
+                  <a:outerShdw blurRad="25400" algn="tl" rotWithShape="0">
+                    <a:srgbClr val="000000">
+                      <a:alpha val="43000"/>
+                    </a:srgbClr>
+                  </a:outerShdw>
+                </a:effectLst>
+              </a:rPr>
+              <a:t>Barale</a:t>
+            </a:r>
+            <a:r>
+              <a:rPr lang="es-AR" b="1" spc="150" dirty="0" smtClean="0">
+                <a:ln w="11430"/>
+                <a:solidFill>
+                  <a:schemeClr val="accent1"/>
+                </a:solidFill>
+                <a:effectLst>
+                  <a:outerShdw blurRad="25400" algn="tl" rotWithShape="0">
+                    <a:srgbClr val="000000">
+                      <a:alpha val="43000"/>
+                    </a:srgbClr>
+                  </a:outerShdw>
+                </a:effectLst>
+              </a:rPr>
+              <a:t> </a:t>
+            </a:r>
+            <a:r>
+              <a:rPr lang="es-AR" b="1" spc="150" dirty="0" smtClean="0">
+                <a:ln w="11430"/>
+                <a:solidFill>
+                  <a:schemeClr val="accent1"/>
+                </a:solidFill>
+                <a:effectLst>
+                  <a:outerShdw blurRad="25400" algn="tl" rotWithShape="0">
+                    <a:srgbClr val="000000">
+                      <a:alpha val="43000"/>
+                    </a:srgbClr>
+                  </a:outerShdw>
+                </a:effectLst>
+              </a:rPr>
+              <a:t>S.R.L</a:t>
+            </a:r>
+            <a:endParaRPr lang="es-AR" b="1" spc="150" dirty="0" smtClean="0">
+              <a:ln w="11430"/>
+              <a:solidFill>
+                <a:schemeClr val="accent1"/>
+              </a:solidFill>
+              <a:effectLst>
+                <a:outerShdw blurRad="25400" algn="tl" rotWithShape="0">
+                  <a:srgbClr val="000000">
+                    <a:alpha val="43000"/>
+                  </a:srgbClr>
+                </a:outerShdw>
+              </a:effectLst>
+            </a:endParaRPr>
+          </a:p>
+        </p:txBody>
+      </p:sp>
+      <p:pic>
+        <p:nvPicPr>
+          <p:cNvPr id="44" name="43 Imagen" descr="logo sin fondo.png"/>
+          <p:cNvPicPr>
+            <a:picLocks noChangeAspect="1"/>
+          </p:cNvPicPr>
+          <p:nvPr/>
+        </p:nvPicPr>
+        <p:blipFill>
+          <a:blip r:embed="rId4" cstate="print"/>
+          <a:stretch>
+            <a:fillRect/>
+          </a:stretch>
+        </p:blipFill>
+        <p:spPr>
+          <a:xfrm>
+            <a:off x="6864887" y="764704"/>
+            <a:ext cx="242554" cy="288032"/>
+          </a:xfrm>
+          <a:prstGeom prst="rect">
+            <a:avLst/>
+          </a:prstGeom>
+        </p:spPr>
+      </p:pic>
     </p:spTree>
   </p:cSld>
   <p:clrMapOvr>
@@ -4670,7 +5217,7 @@
 <file path=ppt/theme/theme1.xml><?xml version="1.0" encoding="utf-8"?>
 <a:theme xmlns:a="http://schemas.openxmlformats.org/drawingml/2006/main" name="Tema de Office">
   <a:themeElements>
-    <a:clrScheme name="Office">
+    <a:clrScheme name="Flujo">
       <a:dk1>
         <a:sysClr val="windowText" lastClr="000000"/>
       </a:dk1>
@@ -4678,34 +5225,34 @@
         <a:sysClr val="window" lastClr="FFFFFF"/>
       </a:lt1>
       <a:dk2>
-        <a:srgbClr val="1F497D"/>
+        <a:srgbClr val="04617B"/>
       </a:dk2>
       <a:lt2>
-        <a:srgbClr val="EEECE1"/>
+        <a:srgbClr val="DBF5F9"/>
       </a:lt2>
       <a:accent1>
-        <a:srgbClr val="4F81BD"/>
+        <a:srgbClr val="0F6FC6"/>
       </a:accent1>
       <a:accent2>
-        <a:srgbClr val="C0504D"/>
+        <a:srgbClr val="009DD9"/>
       </a:accent2>
       <a:accent3>
-        <a:srgbClr val="9BBB59"/>
+        <a:srgbClr val="0BD0D9"/>
       </a:accent3>
       <a:accent4>
-        <a:srgbClr val="8064A2"/>
+        <a:srgbClr val="10CF9B"/>
       </a:accent4>
       <a:accent5>
-        <a:srgbClr val="4BACC6"/>
+        <a:srgbClr val="7CCA62"/>
       </a:accent5>
       <a:accent6>
-        <a:srgbClr val="F79646"/>
+        <a:srgbClr val="A5C249"/>
       </a:accent6>
       <a:hlink>
-        <a:srgbClr val="0000FF"/>
+        <a:srgbClr val="E2D700"/>
       </a:hlink>
       <a:folHlink>
-        <a:srgbClr val="800080"/>
+        <a:srgbClr val="85DFD0"/>
       </a:folHlink>
     </a:clrScheme>
     <a:fontScheme name="Office">
